--- a/spec/fixtures/minimal.pptx
+++ b/spec/fixtures/minimal.pptx
@@ -8,17 +8,6 @@
 
 <file path=ppt/slideLayouts/slideLayoutBasic.xml><?xml version="1.0" encoding="utf-8"?>
 <p:sldLayout xmlns:a="http://schemas.openxmlformats.org/drawingml/2006/main" xmlns:r="http://schemas.openxmlformats.org/officeDocument/2006/relationships" xmlns:p="http://schemas.openxmlformats.org/presentationml/2006/main" type="blank" preserve="1">
-  <p:cSld name="Blank">
-    <p:spTree>
-      <p:nvGrpSpPr>
-        <p:cNvPr id="1" name=""/>
-        <p:cNvGrpSpPr/>
-        <p:nvPr/>
-      </p:nvGrpSpPr>
-      <p:grpSpPr>
-      </p:grpSpPr>
-    </p:spTree>
-  </p:cSld>
 </p:sldLayout>
 </file>
 

--- a/spec/fixtures/minimal.pptx
+++ b/spec/fixtures/minimal.pptx
@@ -7,8 +7,7 @@
 </file>
 
 <file path=ppt/slideLayouts/slideLayoutBasic.xml><?xml version="1.0" encoding="utf-8"?>
-<p:sldLayout xmlns:a="http://schemas.openxmlformats.org/drawingml/2006/main" xmlns:r="http://schemas.openxmlformats.org/officeDocument/2006/relationships" xmlns:p="http://schemas.openxmlformats.org/presentationml/2006/main" type="blank" preserve="1">
-</p:sldLayout>
+<p:sldLayout xmlns:a="http://schemas.openxmlformats.org/drawingml/2006/main" xmlns:r="http://schemas.openxmlformats.org/officeDocument/2006/relationships" xmlns:p="http://schemas.openxmlformats.org/presentationml/2006/main" type="blank" preserve="1"/>
 </file>
 
 <file path=ppt/slideMasters/slideMasterBasic.xml><?xml version="1.0" encoding="utf-8"?>

--- a/spec/fixtures/minimal.pptx
+++ b/spec/fixtures/minimal.pptx
@@ -7,11 +7,73 @@
 </file>
 
 <file path=ppt/slideLayouts/slideLayoutBasic.xml><?xml version="1.0" encoding="utf-8"?>
-<p:sldLayout xmlns:a="http://schemas.openxmlformats.org/drawingml/2006/main" xmlns:r="http://schemas.openxmlformats.org/officeDocument/2006/relationships" xmlns:p="http://schemas.openxmlformats.org/presentationml/2006/main" type="blank" preserve="1"/>
+<p:sldLayout xmlns:a="http://schemas.openxmlformats.org/drawingml/2006/main" xmlns:r="http://schemas.openxmlformats.org/officeDocument/2006/relationships" xmlns:p="http://schemas.openxmlformats.org/presentationml/2006/main" type="blank" preserve="1">
+  <p:cSld name="Blank">
+    <p:spTree>
+      <p:nvGrpSpPr>
+        <p:cNvPr id="1" name=""/>
+        <p:cNvGrpSpPr/>
+        <p:nvPr/>
+      </p:nvGrpSpPr>
+      <p:grpSpPr/>
+    </p:spTree>
+  </p:cSld>
+</p:sldLayout>
+</file>
+
+<file path=ppt/slideLayouts/slideLayouts/slideLayoutBasic.xml><?xml version="1.0" encoding="utf-8"?>
+<p:sldLayout xmlns:a="http://schemas.openxmlformats.org/drawingml/2006/main" xmlns:r="http://schemas.openxmlformats.org/officeDocument/2006/relationships" xmlns:p="http://schemas.openxmlformats.org/presentationml/2006/main" type="blank" preserve="1">
+  <p:cSld name="Blank">
+    <p:spTree>
+      <p:nvGrpSpPr>
+        <p:cNvPr id="1" name=""/>
+        <p:cNvGrpSpPr/>
+        <p:nvPr/>
+      </p:nvGrpSpPr>
+      <p:grpSpPr/>
+    </p:spTree>
+  </p:cSld>
+</p:sldLayout>
 </file>
 
 <file path=ppt/slideMasters/slideMasterBasic.xml><?xml version="1.0" encoding="utf-8"?>
-<p:sldMaster xmlns:a="http://schemas.openxmlformats.org/drawingml/2006/main" xmlns:r="http://schemas.openxmlformats.org/officeDocument/2006/relationships" xmlns:p="http://schemas.openxmlformats.org/presentationml/2006/main"/>
+<p:sldMaster xmlns:a="http://schemas.openxmlformats.org/drawingml/2006/main" xmlns:r="http://schemas.openxmlformats.org/officeDocument/2006/relationships" xmlns:p="http://schemas.openxmlformats.org/presentationml/2006/main">
+  <p:cSld>
+    <p:spTree>
+      <p:nvGrpSpPr>
+        <p:cNvPr id="1" name=""/>
+        <p:cNvGrpSpPr/>
+        <p:nvPr/>
+      </p:nvGrpSpPr>
+      <p:grpSpPr>
+      </p:grpSpPr>
+    </p:spTree>
+  </p:cSld>
+  <p:clrMap bg1="lt1" tx1="dk1" bg2="lt2" tx2="dk2" accent1="accent1" accent2="accent2" accent3="accent3" accent4="accent4" accent5="accent5" accent6="accent6" hlink="hlink" folHlink="folHlink"/>
+  <p:sldLayoutIdLst>
+    <p:sldLayoutId id="2147483655" r:id="rId7"/>
+  </p:sldLayoutIdLst>
+</p:sldMaster>
+</file>
+
+<file path=ppt/slideMasters/slideMasters/slideMasterBasic.xml><?xml version="1.0" encoding="utf-8"?>
+<p:sldMaster xmlns:a="http://schemas.openxmlformats.org/drawingml/2006/main" xmlns:r="http://schemas.openxmlformats.org/officeDocument/2006/relationships" xmlns:p="http://schemas.openxmlformats.org/presentationml/2006/main">
+  <p:cSld>
+    <p:spTree>
+      <p:nvGrpSpPr>
+        <p:cNvPr id="1" name=""/>
+        <p:cNvGrpSpPr/>
+        <p:nvPr/>
+      </p:nvGrpSpPr>
+      <p:grpSpPr>
+      </p:grpSpPr>
+    </p:spTree>
+  </p:cSld>
+  <p:clrMap bg1="lt1" tx1="dk1" bg2="lt2" tx2="dk2" accent1="accent1" accent2="accent2" accent3="accent3" accent4="accent4" accent5="accent5" accent6="accent6" hlink="hlink" folHlink="folHlink"/>
+  <p:sldLayoutIdLst>
+    <p:sldLayoutId id="2147483655" r:id="rId7"/>
+  </p:sldLayoutIdLst>
+</p:sldMaster>
 </file>
 
 <file path=ppt/theme/themeBasic.xml><?xml version="1.0" encoding="utf-8"?>

--- a/spec/fixtures/minimal.pptx
+++ b/spec/fixtures/minimal.pptx
@@ -7,21 +7,6 @@
 </file>
 
 <file path=ppt/slideLayouts/slideLayoutBasic.xml><?xml version="1.0" encoding="utf-8"?>
-<p:sldLayout xmlns:a="http://schemas.openxmlformats.org/drawingml/2006/main" xmlns:r="http://schemas.openxmlformats.org/officeDocument/2006/relationships" xmlns:p="http://schemas.openxmlformats.org/presentationml/2006/main" type="blank" preserve="1">
-  <p:cSld name="Blank">
-    <p:spTree>
-      <p:nvGrpSpPr>
-        <p:cNvPr id="1" name=""/>
-        <p:cNvGrpSpPr/>
-        <p:nvPr/>
-      </p:nvGrpSpPr>
-      <p:grpSpPr/>
-    </p:spTree>
-  </p:cSld>
-</p:sldLayout>
-</file>
-
-<file path=ppt/slideLayouts/slideLayouts/slideLayoutBasic.xml><?xml version="1.0" encoding="utf-8"?>
 <p:sldLayout xmlns:a="http://schemas.openxmlformats.org/drawingml/2006/main" xmlns:r="http://schemas.openxmlformats.org/officeDocument/2006/relationships" xmlns:p="http://schemas.openxmlformats.org/presentationml/2006/main" type="blank" preserve="1">
   <p:cSld name="Blank">
     <p:spTree>
@@ -56,26 +41,6 @@
 </p:sldMaster>
 </file>
 
-<file path=ppt/slideMasters/slideMasters/slideMasterBasic.xml><?xml version="1.0" encoding="utf-8"?>
-<p:sldMaster xmlns:a="http://schemas.openxmlformats.org/drawingml/2006/main" xmlns:r="http://schemas.openxmlformats.org/officeDocument/2006/relationships" xmlns:p="http://schemas.openxmlformats.org/presentationml/2006/main">
-  <p:cSld>
-    <p:spTree>
-      <p:nvGrpSpPr>
-        <p:cNvPr id="1" name=""/>
-        <p:cNvGrpSpPr/>
-        <p:nvPr/>
-      </p:nvGrpSpPr>
-      <p:grpSpPr>
-      </p:grpSpPr>
-    </p:spTree>
-  </p:cSld>
-  <p:clrMap bg1="lt1" tx1="dk1" bg2="lt2" tx2="dk2" accent1="accent1" accent2="accent2" accent3="accent3" accent4="accent4" accent5="accent5" accent6="accent6" hlink="hlink" folHlink="folHlink"/>
-  <p:sldLayoutIdLst>
-    <p:sldLayoutId id="2147483655" r:id="rId7"/>
-  </p:sldLayoutIdLst>
-</p:sldMaster>
-</file>
-
 <file path=ppt/theme/themeBasic.xml><?xml version="1.0" encoding="utf-8"?>
 <a:theme xmlns:a="http://schemas.openxmlformats.org/drawingml/2006/main" name="Office Theme"/>
 </file>
--- a/spec/fixtures/minimal.pptx
+++ b/spec/fixtures/minimal.pptx
@@ -30,13 +30,12 @@
         <p:cNvGrpSpPr/>
         <p:nvPr/>
       </p:nvGrpSpPr>
-      <p:grpSpPr>
-      </p:grpSpPr>
+      <p:grpSpPr/>
     </p:spTree>
   </p:cSld>
   <p:clrMap bg1="lt1" tx1="dk1" bg2="lt2" tx2="dk2" accent1="accent1" accent2="accent2" accent3="accent3" accent4="accent4" accent5="accent5" accent6="accent6" hlink="hlink" folHlink="folHlink"/>
   <p:sldLayoutIdLst>
-    <p:sldLayoutId id="2147483655" r:id="rId7"/>
+    <p:sldLayoutId r:id="rId7"/>
   </p:sldLayoutIdLst>
 </p:sldMaster>
 </file>
